--- a/מצגת.pptx
+++ b/מצגת.pptx
@@ -24347,7 +24347,7 @@
                 <a:latin typeface="Lucida Sans Unicode" panose="020B0602030504020204" pitchFamily="34" charset="0"/>
                 <a:cs typeface="Lucida Sans Unicode" panose="020B0602030504020204" pitchFamily="34" charset="0"/>
               </a:rPr>
-              <a:t>לעיתים אנו מעוניינים למצוא תמונות במחשב אך קודם נדרשש מאיתנו לנקות את המחשב בגלל בלאגן במערכת הקבצים.</a:t>
+              <a:t>לעיתים אנו מעוניינים למצוא תמונות במחשב אך קודם נדרש מאיתנו לנקות את המחשב בגלל בלאגן במערכת הקבצים.</a:t>
             </a:r>
             <a:endParaRPr lang="en-US" dirty="0">
               <a:latin typeface="Lucida Sans Unicode" panose="020B0602030504020204" pitchFamily="34" charset="0"/>
@@ -24512,8 +24512,8 @@
         </p:nvSpPr>
         <p:spPr>
           <a:xfrm>
-            <a:off x="700644" y="3047754"/>
-            <a:ext cx="2180905" cy="1793947"/>
+            <a:off x="474033" y="2920904"/>
+            <a:ext cx="2598281" cy="1793947"/>
           </a:xfrm>
           <a:prstGeom prst="rect">
             <a:avLst/>
@@ -24757,12 +24757,61 @@
             <p:ph type="subTitle" idx="1"/>
           </p:nvPr>
         </p:nvSpPr>
-        <p:spPr/>
+        <p:spPr>
+          <a:xfrm>
+            <a:off x="961901" y="2353400"/>
+            <a:ext cx="4423449" cy="1054818"/>
+          </a:xfrm>
+        </p:spPr>
         <p:txBody>
           <a:bodyPr/>
           <a:lstStyle/>
           <a:p>
-            <a:endParaRPr lang="en-US" dirty="0"/>
+            <a:pPr rtl="1">
+              <a:buFont typeface="Arial" panose="020B0604020202020204" pitchFamily="34" charset="0"/>
+              <a:buChar char="•"/>
+            </a:pPr>
+            <a:r>
+              <a:rPr lang="he-IL" sz="1600" dirty="0">
+                <a:latin typeface="Lucida Sans Unicode" panose="020B0602030504020204" pitchFamily="34" charset="0"/>
+                <a:cs typeface="Lucida Sans Unicode" panose="020B0602030504020204" pitchFamily="34" charset="0"/>
+              </a:rPr>
+              <a:t>ל</a:t>
+            </a:r>
+            <a:r>
+              <a:rPr lang="he-IL" sz="1600" dirty="0" smtClean="0">
+                <a:latin typeface="Lucida Sans Unicode" panose="020B0602030504020204" pitchFamily="34" charset="0"/>
+                <a:cs typeface="Lucida Sans Unicode" panose="020B0602030504020204" pitchFamily="34" charset="0"/>
+              </a:rPr>
+              <a:t>סרוק </a:t>
+            </a:r>
+            <a:r>
+              <a:rPr lang="he-IL" sz="1600" dirty="0">
+                <a:latin typeface="Lucida Sans Unicode" panose="020B0602030504020204" pitchFamily="34" charset="0"/>
+                <a:cs typeface="Lucida Sans Unicode" panose="020B0602030504020204" pitchFamily="34" charset="0"/>
+              </a:rPr>
+              <a:t>עבור המשתמש את כל התמונות הנמצאות </a:t>
+            </a:r>
+            <a:r>
+              <a:rPr lang="he-IL" sz="1600" dirty="0" smtClean="0">
+                <a:latin typeface="Lucida Sans Unicode" panose="020B0602030504020204" pitchFamily="34" charset="0"/>
+                <a:cs typeface="Lucida Sans Unicode" panose="020B0602030504020204" pitchFamily="34" charset="0"/>
+              </a:rPr>
+              <a:t>במחשב ולרכז אותם למקום אחד.</a:t>
+            </a:r>
+          </a:p>
+          <a:p>
+            <a:pPr rtl="1">
+              <a:buFont typeface="Arial" panose="020B0604020202020204" pitchFamily="34" charset="0"/>
+              <a:buChar char="•"/>
+            </a:pPr>
+            <a:r>
+              <a:rPr lang="he-IL" sz="1600" dirty="0" smtClean="0">
+                <a:latin typeface="Lucida Sans Unicode" panose="020B0602030504020204" pitchFamily="34" charset="0"/>
+                <a:cs typeface="Lucida Sans Unicode" panose="020B0602030504020204" pitchFamily="34" charset="0"/>
+              </a:rPr>
+              <a:t>לעזור למשתמש לסדר את התמונות: </a:t>
+            </a:r>
           </a:p>
         </p:txBody>
       </p:sp>
@@ -25437,6 +25486,93 @@
             <a:endParaRPr sz="1600" dirty="0">
               <a:latin typeface="Narkisim" panose="020E0502050101010101" pitchFamily="34" charset="-79"/>
               <a:cs typeface="Narkisim" panose="020E0502050101010101" pitchFamily="34" charset="-79"/>
+            </a:endParaRPr>
+          </a:p>
+        </p:txBody>
+      </p:sp>
+      <p:sp>
+        <p:nvSpPr>
+          <p:cNvPr id="11" name="Rectangle 10"/>
+          <p:cNvSpPr/>
+          <p:nvPr/>
+        </p:nvSpPr>
+        <p:spPr>
+          <a:xfrm>
+            <a:off x="-1324099" y="3259971"/>
+            <a:ext cx="4572000" cy="738664"/>
+          </a:xfrm>
+          <a:prstGeom prst="rect">
+            <a:avLst/>
+          </a:prstGeom>
+        </p:spPr>
+        <p:txBody>
+          <a:bodyPr>
+            <a:spAutoFit/>
+          </a:bodyPr>
+          <a:lstStyle/>
+          <a:p>
+            <a:pPr marL="285750" indent="-285750" algn="r" rtl="1">
+              <a:buFont typeface="Arial" panose="020B0604020202020204" pitchFamily="34" charset="0"/>
+              <a:buChar char="•"/>
+            </a:pPr>
+            <a:r>
+              <a:rPr lang="he-IL" dirty="0">
+                <a:solidFill>
+                  <a:schemeClr val="bg1"/>
+                </a:solidFill>
+                <a:latin typeface="Lucida Sans Unicode" panose="020B0602030504020204" pitchFamily="34" charset="0"/>
+                <a:cs typeface="Lucida Sans Unicode" panose="020B0602030504020204" pitchFamily="34" charset="0"/>
+              </a:rPr>
+              <a:t>למצוא כפילויות של תמונות.</a:t>
+            </a:r>
+          </a:p>
+          <a:p>
+            <a:pPr marL="285750" indent="-285750" algn="r" rtl="1">
+              <a:buFont typeface="Arial" panose="020B0604020202020204" pitchFamily="34" charset="0"/>
+              <a:buChar char="•"/>
+            </a:pPr>
+            <a:r>
+              <a:rPr lang="he-IL" dirty="0">
+                <a:solidFill>
+                  <a:schemeClr val="bg1"/>
+                </a:solidFill>
+                <a:latin typeface="Lucida Sans Unicode" panose="020B0602030504020204" pitchFamily="34" charset="0"/>
+                <a:cs typeface="Lucida Sans Unicode" panose="020B0602030504020204" pitchFamily="34" charset="0"/>
+              </a:rPr>
+              <a:t>למצוא תמונות דומות</a:t>
+            </a:r>
+            <a:r>
+              <a:rPr lang="he-IL" dirty="0" smtClean="0">
+                <a:solidFill>
+                  <a:schemeClr val="bg1"/>
+                </a:solidFill>
+                <a:latin typeface="Lucida Sans Unicode" panose="020B0602030504020204" pitchFamily="34" charset="0"/>
+                <a:cs typeface="Lucida Sans Unicode" panose="020B0602030504020204" pitchFamily="34" charset="0"/>
+              </a:rPr>
+              <a:t>.</a:t>
+            </a:r>
+          </a:p>
+          <a:p>
+            <a:pPr marL="285750" indent="-285750" algn="r" rtl="1">
+              <a:buFont typeface="Arial" panose="020B0604020202020204" pitchFamily="34" charset="0"/>
+              <a:buChar char="•"/>
+            </a:pPr>
+            <a:r>
+              <a:rPr lang="he-IL" dirty="0" smtClean="0">
+                <a:solidFill>
+                  <a:schemeClr val="bg1"/>
+                </a:solidFill>
+                <a:latin typeface="Lucida Sans Unicode" panose="020B0602030504020204" pitchFamily="34" charset="0"/>
+                <a:cs typeface="Lucida Sans Unicode" panose="020B0602030504020204" pitchFamily="34" charset="0"/>
+              </a:rPr>
+              <a:t>סידור על-פי קטגוריות</a:t>
+            </a:r>
+            <a:endParaRPr lang="en-US" dirty="0">
+              <a:solidFill>
+                <a:schemeClr val="bg1"/>
+              </a:solidFill>
+              <a:latin typeface="Lucida Sans Unicode" panose="020B0602030504020204" pitchFamily="34" charset="0"/>
+              <a:cs typeface="Lucida Sans Unicode" panose="020B0602030504020204" pitchFamily="34" charset="0"/>
             </a:endParaRPr>
           </a:p>
         </p:txBody>
